--- a/07_unsupervised_ml/Intro_Unsupervised_ML.pptx
+++ b/07_unsupervised_ml/Intro_Unsupervised_ML.pptx
@@ -627,18 +627,18 @@
   <pc:docChgLst>
     <pc:chgData name="Figuet Benoit (figu)" userId="8c71bb66-15c0-4937-9a52-ae53d8d93ba3" providerId="ADAL" clId="{7ECE0233-0AA4-944E-BA7B-B488B1EAB132}"/>
     <pc:docChg chg="undo custSel addSld delSld modSld sldOrd">
-      <pc:chgData name="Figuet Benoit (figu)" userId="8c71bb66-15c0-4937-9a52-ae53d8d93ba3" providerId="ADAL" clId="{7ECE0233-0AA4-944E-BA7B-B488B1EAB132}" dt="2025-04-01T09:06:40.848" v="3292" actId="20577"/>
+      <pc:chgData name="Figuet Benoit (figu)" userId="8c71bb66-15c0-4937-9a52-ae53d8d93ba3" providerId="ADAL" clId="{7ECE0233-0AA4-944E-BA7B-B488B1EAB132}" dt="2025-04-01T10:36:34.636" v="3332" actId="20577"/>
       <pc:docMkLst>
         <pc:docMk/>
       </pc:docMkLst>
       <pc:sldChg chg="modSp mod">
-        <pc:chgData name="Figuet Benoit (figu)" userId="8c71bb66-15c0-4937-9a52-ae53d8d93ba3" providerId="ADAL" clId="{7ECE0233-0AA4-944E-BA7B-B488B1EAB132}" dt="2025-03-31T07:56:30.096" v="13" actId="20577"/>
+        <pc:chgData name="Figuet Benoit (figu)" userId="8c71bb66-15c0-4937-9a52-ae53d8d93ba3" providerId="ADAL" clId="{7ECE0233-0AA4-944E-BA7B-B488B1EAB132}" dt="2025-04-01T10:36:34.636" v="3332" actId="20577"/>
         <pc:sldMkLst>
           <pc:docMk/>
           <pc:sldMk cId="1130738914" sldId="258"/>
         </pc:sldMkLst>
         <pc:graphicFrameChg chg="modGraphic">
-          <ac:chgData name="Figuet Benoit (figu)" userId="8c71bb66-15c0-4937-9a52-ae53d8d93ba3" providerId="ADAL" clId="{7ECE0233-0AA4-944E-BA7B-B488B1EAB132}" dt="2025-03-31T07:56:30.096" v="13" actId="20577"/>
+          <ac:chgData name="Figuet Benoit (figu)" userId="8c71bb66-15c0-4937-9a52-ae53d8d93ba3" providerId="ADAL" clId="{7ECE0233-0AA4-944E-BA7B-B488B1EAB132}" dt="2025-04-01T10:36:34.636" v="3332" actId="20577"/>
           <ac:graphicFrameMkLst>
             <pc:docMk/>
             <pc:sldMk cId="1130738914" sldId="258"/>
@@ -661,8 +661,8 @@
           </ac:spMkLst>
         </pc:spChg>
       </pc:sldChg>
-      <pc:sldChg chg="modSp mod">
-        <pc:chgData name="Figuet Benoit (figu)" userId="8c71bb66-15c0-4937-9a52-ae53d8d93ba3" providerId="ADAL" clId="{7ECE0233-0AA4-944E-BA7B-B488B1EAB132}" dt="2025-04-01T09:06:40.848" v="3292" actId="20577"/>
+      <pc:sldChg chg="modSp mod modNotesTx">
+        <pc:chgData name="Figuet Benoit (figu)" userId="8c71bb66-15c0-4937-9a52-ae53d8d93ba3" providerId="ADAL" clId="{7ECE0233-0AA4-944E-BA7B-B488B1EAB132}" dt="2025-04-01T09:06:53.484" v="3293" actId="20577"/>
         <pc:sldMkLst>
           <pc:docMk/>
           <pc:sldMk cId="2780238345" sldId="351"/>
@@ -1617,7 +1617,7 @@
           <a:p>
             <a:fld id="{5FD6D8C0-9C28-7C4F-81F3-12AEA5F6E46B}" type="datetimeFigureOut">
               <a:rPr lang="en-CA" smtClean="0"/>
-              <a:t>2025-03-31</a:t>
+              <a:t>2025-04-01</a:t>
             </a:fld>
             <a:endParaRPr lang="en-CA"/>
           </a:p>
@@ -1794,7 +1794,7 @@
           <a:p>
             <a:fld id="{8ACB3DF5-8005-3E4F-A84A-E62A07E77557}" type="datetimeFigureOut">
               <a:rPr lang="de-DE" smtClean="0"/>
-              <a:t>31.03.25</a:t>
+              <a:t>01.04.25</a:t>
             </a:fld>
             <a:endParaRPr lang="de-DE"/>
           </a:p>
@@ -2647,149 +2647,6 @@
           <a:bodyPr/>
           <a:lstStyle/>
           <a:p>
-            <a:pPr marL="0" marR="0" lvl="0" indent="0" algn="l" defTabSz="914400" rtl="0" eaLnBrk="1" fontAlgn="auto" latinLnBrk="0" hangingPunct="1">
-              <a:lnSpc>
-                <a:spcPct val="100000"/>
-              </a:lnSpc>
-              <a:spcBef>
-                <a:spcPts val="0"/>
-              </a:spcBef>
-              <a:spcAft>
-                <a:spcPts val="0"/>
-              </a:spcAft>
-              <a:buClrTx/>
-              <a:buSzTx/>
-              <a:buFontTx/>
-              <a:buNone/>
-              <a:tabLst/>
-              <a:defRPr/>
-            </a:pPr>
-            <a:r>
-              <a:rPr lang="de-DE" dirty="0"/>
-              <a:t>This </a:t>
-            </a:r>
-            <a:r>
-              <a:rPr lang="de-DE" dirty="0" err="1"/>
-              <a:t>brings</a:t>
-            </a:r>
-            <a:r>
-              <a:rPr lang="de-DE" dirty="0"/>
-              <a:t> </a:t>
-            </a:r>
-            <a:r>
-              <a:rPr lang="de-DE" dirty="0" err="1"/>
-              <a:t>us</a:t>
-            </a:r>
-            <a:r>
-              <a:rPr lang="de-DE" dirty="0"/>
-              <a:t> </a:t>
-            </a:r>
-            <a:r>
-              <a:rPr lang="de-DE" dirty="0" err="1"/>
-              <a:t>to</a:t>
-            </a:r>
-            <a:r>
-              <a:rPr lang="de-DE" dirty="0"/>
-              <a:t> </a:t>
-            </a:r>
-            <a:r>
-              <a:rPr lang="de-DE" dirty="0" err="1"/>
-              <a:t>the</a:t>
-            </a:r>
-            <a:r>
-              <a:rPr lang="de-DE" dirty="0"/>
-              <a:t> end </a:t>
-            </a:r>
-            <a:r>
-              <a:rPr lang="de-DE" dirty="0" err="1"/>
-              <a:t>of</a:t>
-            </a:r>
-            <a:r>
-              <a:rPr lang="de-DE" dirty="0"/>
-              <a:t> </a:t>
-            </a:r>
-            <a:r>
-              <a:rPr lang="de-DE" dirty="0" err="1"/>
-              <a:t>this</a:t>
-            </a:r>
-            <a:r>
-              <a:rPr lang="de-DE" dirty="0"/>
-              <a:t> </a:t>
-            </a:r>
-            <a:r>
-              <a:rPr lang="de-DE" dirty="0" err="1"/>
-              <a:t>video</a:t>
-            </a:r>
-            <a:r>
-              <a:rPr lang="de-DE" dirty="0"/>
-              <a:t>. I </a:t>
-            </a:r>
-            <a:r>
-              <a:rPr lang="de-DE" dirty="0" err="1"/>
-              <a:t>would</a:t>
-            </a:r>
-            <a:r>
-              <a:rPr lang="de-DE" dirty="0"/>
-              <a:t> like </a:t>
-            </a:r>
-            <a:r>
-              <a:rPr lang="de-DE" dirty="0" err="1"/>
-              <a:t>to</a:t>
-            </a:r>
-            <a:r>
-              <a:rPr lang="de-DE" dirty="0"/>
-              <a:t> </a:t>
-            </a:r>
-            <a:r>
-              <a:rPr lang="de-DE" dirty="0" err="1"/>
-              <a:t>briefly</a:t>
-            </a:r>
-            <a:r>
-              <a:rPr lang="de-DE" dirty="0"/>
-              <a:t> </a:t>
-            </a:r>
-            <a:r>
-              <a:rPr lang="de-DE" dirty="0" err="1"/>
-              <a:t>summarise</a:t>
-            </a:r>
-            <a:r>
-              <a:rPr lang="de-DE" dirty="0"/>
-              <a:t> </a:t>
-            </a:r>
-            <a:r>
-              <a:rPr lang="de-DE" dirty="0" err="1"/>
-              <a:t>the</a:t>
-            </a:r>
-            <a:r>
-              <a:rPr lang="de-DE" dirty="0"/>
-              <a:t> </a:t>
-            </a:r>
-            <a:r>
-              <a:rPr lang="de-DE" dirty="0" err="1"/>
-              <a:t>most</a:t>
-            </a:r>
-            <a:r>
-              <a:rPr lang="de-DE" dirty="0"/>
-              <a:t> </a:t>
-            </a:r>
-            <a:r>
-              <a:rPr lang="de-DE" dirty="0" err="1"/>
-              <a:t>important</a:t>
-            </a:r>
-            <a:r>
-              <a:rPr lang="de-DE" dirty="0"/>
-              <a:t> </a:t>
-            </a:r>
-            <a:r>
-              <a:rPr lang="de-DE" dirty="0" err="1"/>
-              <a:t>points</a:t>
-            </a:r>
-            <a:r>
-              <a:rPr lang="de-DE" dirty="0"/>
-              <a:t>:</a:t>
-            </a:r>
-          </a:p>
-          <a:p>
             <a:endParaRPr lang="en-CA" dirty="0"/>
           </a:p>
         </p:txBody>
@@ -4103,7 +3960,7 @@
             </a:pPr>
             <a:fld id="{9E959059-7972-5848-9CA3-5B3EF7BD2B71}" type="datetime1">
               <a:rPr lang="de-CH" smtClean="0"/>
-              <a:t>31.03.25</a:t>
+              <a:t>01.04.25</a:t>
             </a:fld>
             <a:endParaRPr lang="de-DE"/>
           </a:p>
@@ -4353,7 +4210,7 @@
             </a:pPr>
             <a:fld id="{E2BC2CE0-3741-1247-B2DB-4471E2DB5246}" type="datetime1">
               <a:rPr lang="de-CH" noProof="0" smtClean="0"/>
-              <a:t>31.03.25</a:t>
+              <a:t>01.04.25</a:t>
             </a:fld>
             <a:endParaRPr lang="en-CA" noProof="0"/>
           </a:p>
@@ -4759,7 +4616,7 @@
             </a:pPr>
             <a:fld id="{0D79964F-CD0D-F14A-ADAF-2DEC06DEE478}" type="datetime1">
               <a:rPr lang="de-CH" noProof="0" smtClean="0"/>
-              <a:t>31.03.25</a:t>
+              <a:t>01.04.25</a:t>
             </a:fld>
             <a:endParaRPr lang="en-CA" noProof="0"/>
           </a:p>
@@ -4918,7 +4775,7 @@
             </a:pPr>
             <a:fld id="{BE316C97-2720-4749-9B4E-B27224D34E08}" type="datetime1">
               <a:rPr lang="de-CH" noProof="0" smtClean="0"/>
-              <a:t>31.03.25</a:t>
+              <a:t>01.04.25</a:t>
             </a:fld>
             <a:endParaRPr lang="en-CA" noProof="0"/>
           </a:p>
@@ -5112,7 +4969,7 @@
             </a:pPr>
             <a:fld id="{77642352-7BE5-1445-9209-7FE33F4CE01E}" type="datetime1">
               <a:rPr lang="de-CH" noProof="0" smtClean="0"/>
-              <a:t>31.03.25</a:t>
+              <a:t>01.04.25</a:t>
             </a:fld>
             <a:endParaRPr lang="en-CA" noProof="0"/>
           </a:p>
@@ -5534,7 +5391,7 @@
             </a:pPr>
             <a:fld id="{A314D513-C3A2-6B41-B395-93323B27B4BE}" type="datetime1">
               <a:rPr lang="de-CH" noProof="0" smtClean="0"/>
-              <a:t>31.03.25</a:t>
+              <a:t>01.04.25</a:t>
             </a:fld>
             <a:endParaRPr lang="en-CA" noProof="0"/>
           </a:p>
@@ -5841,7 +5698,7 @@
             </a:pPr>
             <a:fld id="{D1636748-F8F5-5A47-98D5-0A01AB5A0B12}" type="datetime1">
               <a:rPr lang="de-CH" noProof="0" smtClean="0"/>
-              <a:t>31.03.25</a:t>
+              <a:t>01.04.25</a:t>
             </a:fld>
             <a:endParaRPr lang="en-CA" noProof="0"/>
           </a:p>
@@ -6120,7 +5977,7 @@
             </a:pPr>
             <a:fld id="{1334BAE7-9FC2-2844-AA78-7C4C49B62446}" type="datetime1">
               <a:rPr lang="de-CH" noProof="0" smtClean="0"/>
-              <a:t>31.03.25</a:t>
+              <a:t>01.04.25</a:t>
             </a:fld>
             <a:endParaRPr lang="en-CA" noProof="0"/>
           </a:p>
@@ -6385,7 +6242,7 @@
             </a:pPr>
             <a:fld id="{F5D42039-3B20-1147-93FA-E6E2FA72830E}" type="datetime1">
               <a:rPr lang="de-CH" noProof="0" smtClean="0"/>
-              <a:t>31.03.25</a:t>
+              <a:t>01.04.25</a:t>
             </a:fld>
             <a:endParaRPr lang="en-US" noProof="0"/>
           </a:p>
@@ -6697,7 +6554,7 @@
             </a:pPr>
             <a:fld id="{07E6D59D-C3CE-834C-84C1-B45BA611884D}" type="datetime1">
               <a:rPr lang="de-CH" noProof="0" smtClean="0"/>
-              <a:t>31.03.25</a:t>
+              <a:t>01.04.25</a:t>
             </a:fld>
             <a:endParaRPr lang="en-CA" noProof="0"/>
           </a:p>
@@ -6915,7 +6772,7 @@
             </a:pPr>
             <a:fld id="{B659206B-4A9B-1F4A-B766-33A077635BA0}" type="datetime1">
               <a:rPr lang="de-CH" smtClean="0"/>
-              <a:t>31.03.25</a:t>
+              <a:t>01.04.25</a:t>
             </a:fld>
             <a:endParaRPr lang="de-DE"/>
           </a:p>
@@ -7256,7 +7113,7 @@
             </a:pPr>
             <a:fld id="{3AA55DDF-A4AD-644F-AC7F-DBCC267C15E0}" type="datetime1">
               <a:rPr lang="de-CH" smtClean="0"/>
-              <a:t>31.03.25</a:t>
+              <a:t>01.04.25</a:t>
             </a:fld>
             <a:endParaRPr lang="en-CA"/>
           </a:p>
@@ -10680,14 +10537,14 @@
             <p:ph type="tbl" sz="quarter" idx="13"/>
             <p:extLst>
               <p:ext uri="{D42A27DB-BD31-4B8C-83A1-F6EECF244321}">
-                <p14:modId xmlns:p14="http://schemas.microsoft.com/office/powerpoint/2010/main" val="2623792843"/>
+                <p14:modId xmlns:p14="http://schemas.microsoft.com/office/powerpoint/2010/main" val="758457269"/>
               </p:ext>
             </p:extLst>
           </p:nvPr>
         </p:nvGraphicFramePr>
         <p:xfrm>
           <a:off x="191344" y="1484313"/>
-          <a:ext cx="10225136" cy="3180240"/>
+          <a:ext cx="10225136" cy="2725920"/>
         </p:xfrm>
         <a:graphic>
           <a:graphicData uri="http://schemas.openxmlformats.org/drawingml/2006/table">
@@ -10769,7 +10626,7 @@
                     <a:p>
                       <a:r>
                         <a:rPr lang="en-CA" dirty="0"/>
-                        <a:t>Supervised Machine Learning</a:t>
+                        <a:t>Unsupervised Machine Learning</a:t>
                       </a:r>
                     </a:p>
                   </a:txBody>
@@ -11110,7 +10967,7 @@
                     <a:p>
                       <a:r>
                         <a:rPr lang="en-CA" dirty="0"/>
-                        <a:t>Machine Learning Steps</a:t>
+                        <a:t>Dimension Reduction</a:t>
                       </a:r>
                     </a:p>
                   </a:txBody>
@@ -11224,7 +11081,7 @@
                     <a:p>
                       <a:r>
                         <a:rPr lang="en-CA" dirty="0"/>
-                        <a:t>Focus on Decision Trees</a:t>
+                        <a:t>Clustering</a:t>
                       </a:r>
                     </a:p>
                   </a:txBody>
@@ -11275,120 +11132,6 @@
                 <a:extLst>
                   <a:ext uri="{0D108BD9-81ED-4DB2-BD59-A6C34878D82A}">
                     <a16:rowId xmlns:a16="http://schemas.microsoft.com/office/drawing/2014/main" val="3345789139"/>
-                  </a:ext>
-                </a:extLst>
-              </a:tr>
-              <a:tr h="370840">
-                <a:tc>
-                  <a:txBody>
-                    <a:bodyPr/>
-                    <a:lstStyle/>
-                    <a:p>
-                      <a:endParaRPr lang="en-CA" dirty="0"/>
-                    </a:p>
-                  </a:txBody>
-                  <a:tcPr marT="90000" marB="90000">
-                    <a:lnL w="76200" cap="flat" cmpd="sng" algn="ctr">
-                      <a:solidFill>
-                        <a:schemeClr val="bg1"/>
-                      </a:solidFill>
-                      <a:prstDash val="solid"/>
-                      <a:round/>
-                      <a:headEnd type="none" w="med" len="med"/>
-                      <a:tailEnd type="none" w="med" len="med"/>
-                    </a:lnL>
-                    <a:lnR w="76200" cap="flat" cmpd="sng" algn="ctr">
-                      <a:solidFill>
-                        <a:schemeClr val="bg1"/>
-                      </a:solidFill>
-                      <a:prstDash val="solid"/>
-                      <a:round/>
-                      <a:headEnd type="none" w="med" len="med"/>
-                      <a:tailEnd type="none" w="med" len="med"/>
-                    </a:lnR>
-                    <a:lnT w="76200" cap="flat" cmpd="sng" algn="ctr">
-                      <a:solidFill>
-                        <a:schemeClr val="bg1"/>
-                      </a:solidFill>
-                      <a:prstDash val="solid"/>
-                      <a:round/>
-                      <a:headEnd type="none" w="med" len="med"/>
-                      <a:tailEnd type="none" w="med" len="med"/>
-                    </a:lnT>
-                    <a:lnB w="76200" cap="flat" cmpd="sng" algn="ctr">
-                      <a:solidFill>
-                        <a:schemeClr val="bg1"/>
-                      </a:solidFill>
-                      <a:prstDash val="solid"/>
-                      <a:round/>
-                      <a:headEnd type="none" w="med" len="med"/>
-                      <a:tailEnd type="none" w="med" len="med"/>
-                    </a:lnB>
-                    <a:solidFill>
-                      <a:schemeClr val="bg1">
-                        <a:lumMod val="85000"/>
-                      </a:schemeClr>
-                    </a:solidFill>
-                  </a:tcPr>
-                </a:tc>
-                <a:tc>
-                  <a:txBody>
-                    <a:bodyPr/>
-                    <a:lstStyle/>
-                    <a:p>
-                      <a:r>
-                        <a:rPr lang="en-CA" dirty="0"/>
-                        <a:t>Focus on Binary Classification Metrics</a:t>
-                      </a:r>
-                    </a:p>
-                  </a:txBody>
-                  <a:tcPr marT="90000" marB="90000">
-                    <a:lnL w="76200" cap="flat" cmpd="sng" algn="ctr">
-                      <a:solidFill>
-                        <a:schemeClr val="bg1"/>
-                      </a:solidFill>
-                      <a:prstDash val="solid"/>
-                      <a:round/>
-                      <a:headEnd type="none" w="med" len="med"/>
-                      <a:tailEnd type="none" w="med" len="med"/>
-                    </a:lnL>
-                    <a:lnR w="76200" cap="flat" cmpd="sng" algn="ctr">
-                      <a:solidFill>
-                        <a:schemeClr val="bg1"/>
-                      </a:solidFill>
-                      <a:prstDash val="solid"/>
-                      <a:round/>
-                      <a:headEnd type="none" w="med" len="med"/>
-                      <a:tailEnd type="none" w="med" len="med"/>
-                    </a:lnR>
-                    <a:lnT w="76200" cap="flat" cmpd="sng" algn="ctr">
-                      <a:solidFill>
-                        <a:schemeClr val="bg1"/>
-                      </a:solidFill>
-                      <a:prstDash val="solid"/>
-                      <a:round/>
-                      <a:headEnd type="none" w="med" len="med"/>
-                      <a:tailEnd type="none" w="med" len="med"/>
-                    </a:lnT>
-                    <a:lnB w="76200" cap="flat" cmpd="sng" algn="ctr">
-                      <a:solidFill>
-                        <a:schemeClr val="bg1"/>
-                      </a:solidFill>
-                      <a:prstDash val="solid"/>
-                      <a:round/>
-                      <a:headEnd type="none" w="med" len="med"/>
-                      <a:tailEnd type="none" w="med" len="med"/>
-                    </a:lnB>
-                    <a:solidFill>
-                      <a:schemeClr val="bg1">
-                        <a:lumMod val="95000"/>
-                      </a:schemeClr>
-                    </a:solidFill>
-                  </a:tcPr>
-                </a:tc>
-                <a:extLst>
-                  <a:ext uri="{0D108BD9-81ED-4DB2-BD59-A6C34878D82A}">
-                    <a16:rowId xmlns:a16="http://schemas.microsoft.com/office/drawing/2014/main" val="309626572"/>
                   </a:ext>
                 </a:extLst>
               </a:tr>
@@ -16878,18 +16621,18 @@
 </file>
 
 <file path=customXml/item1.xml><?xml version="1.0" encoding="utf-8"?>
+<p:properties xmlns:p="http://schemas.microsoft.com/office/2006/metadata/properties" xmlns:xsi="http://www.w3.org/2001/XMLSchema-instance" xmlns:pc="http://schemas.microsoft.com/office/infopath/2007/PartnerControls">
+  <documentManagement/>
+</p:properties>
+</file>
+
+<file path=customXml/item2.xml><?xml version="1.0" encoding="utf-8"?>
 <?mso-contentType ?>
 <FormTemplates xmlns="http://schemas.microsoft.com/sharepoint/v3/contenttype/forms">
   <Display>DocumentLibraryForm</Display>
   <Edit>DocumentLibraryForm</Edit>
   <New>DocumentLibraryForm</New>
 </FormTemplates>
-</file>
-
-<file path=customXml/item2.xml><?xml version="1.0" encoding="utf-8"?>
-<p:properties xmlns:p="http://schemas.microsoft.com/office/2006/metadata/properties" xmlns:xsi="http://www.w3.org/2001/XMLSchema-instance" xmlns:pc="http://schemas.microsoft.com/office/infopath/2007/PartnerControls">
-  <documentManagement/>
-</p:properties>
 </file>
 
 <file path=customXml/item3.xml><?xml version="1.0" encoding="utf-8"?>
@@ -17037,25 +16780,25 @@
 </file>
 
 <file path=customXml/itemProps1.xml><?xml version="1.0" encoding="utf-8"?>
-<ds:datastoreItem xmlns:ds="http://schemas.openxmlformats.org/officeDocument/2006/customXml" ds:itemID="{19A8A398-5BF9-46D4-BE94-B85C7226AF2D}">
+<ds:datastoreItem xmlns:ds="http://schemas.openxmlformats.org/officeDocument/2006/customXml" ds:itemID="{61952708-7409-4BC1-AE5E-4F6B674322BA}">
   <ds:schemaRefs>
-    <ds:schemaRef ds:uri="http://schemas.microsoft.com/sharepoint/v3/contenttype/forms"/>
+    <ds:schemaRef ds:uri="http://schemas.microsoft.com/office/2006/metadata/properties"/>
+    <ds:schemaRef ds:uri="http://schemas.openxmlformats.org/package/2006/metadata/core-properties"/>
+    <ds:schemaRef ds:uri="http://purl.org/dc/dcmitype/"/>
+    <ds:schemaRef ds:uri="http://schemas.microsoft.com/office/infopath/2007/PartnerControls"/>
+    <ds:schemaRef ds:uri="f6a02a5d-bf27-4d2b-bea1-4f2e1d95ca2c"/>
+    <ds:schemaRef ds:uri="http://schemas.microsoft.com/office/2006/documentManagement/types"/>
+    <ds:schemaRef ds:uri="http://purl.org/dc/terms/"/>
+    <ds:schemaRef ds:uri="http://www.w3.org/XML/1998/namespace"/>
+    <ds:schemaRef ds:uri="http://purl.org/dc/elements/1.1/"/>
   </ds:schemaRefs>
 </ds:datastoreItem>
 </file>
 
 <file path=customXml/itemProps2.xml><?xml version="1.0" encoding="utf-8"?>
-<ds:datastoreItem xmlns:ds="http://schemas.openxmlformats.org/officeDocument/2006/customXml" ds:itemID="{61952708-7409-4BC1-AE5E-4F6B674322BA}">
+<ds:datastoreItem xmlns:ds="http://schemas.openxmlformats.org/officeDocument/2006/customXml" ds:itemID="{19A8A398-5BF9-46D4-BE94-B85C7226AF2D}">
   <ds:schemaRefs>
-    <ds:schemaRef ds:uri="http://purl.org/dc/elements/1.1/"/>
-    <ds:schemaRef ds:uri="http://schemas.microsoft.com/office/2006/metadata/properties"/>
-    <ds:schemaRef ds:uri="f6a02a5d-bf27-4d2b-bea1-4f2e1d95ca2c"/>
-    <ds:schemaRef ds:uri="http://schemas.openxmlformats.org/package/2006/metadata/core-properties"/>
-    <ds:schemaRef ds:uri="http://schemas.microsoft.com/office/infopath/2007/PartnerControls"/>
-    <ds:schemaRef ds:uri="http://schemas.microsoft.com/office/2006/documentManagement/types"/>
-    <ds:schemaRef ds:uri="http://www.w3.org/XML/1998/namespace"/>
-    <ds:schemaRef ds:uri="http://purl.org/dc/terms/"/>
-    <ds:schemaRef ds:uri="http://purl.org/dc/dcmitype/"/>
+    <ds:schemaRef ds:uri="http://schemas.microsoft.com/sharepoint/v3/contenttype/forms"/>
   </ds:schemaRefs>
 </ds:datastoreItem>
 </file>
